--- a/操作手册/物业ERP培训.pptx
+++ b/操作手册/物业ERP培训.pptx
@@ -10118,7 +10118,6 @@
               <a:rPr kumimoji="1" lang="zh-CN" altLang="en-US" dirty="0" smtClean="0"/>
               <a:t>批复</a:t>
             </a:r>
-            <a:endParaRPr kumimoji="1" lang="zh-CN" altLang="en-US" dirty="0" smtClean="0"/>
           </a:p>
           <a:p>
             <a:r>
@@ -10127,11 +10126,7 @@
             </a:r>
             <a:r>
               <a:rPr kumimoji="1" lang="zh-CN" altLang="en-US" dirty="0" smtClean="0"/>
-              <a:t>外出明细：</a:t>
-            </a:r>
-            <a:r>
-              <a:rPr kumimoji="1" lang="zh-CN" altLang="en-US" dirty="0" smtClean="0"/>
-              <a:t>按照</a:t>
+              <a:t>外出明细：按照</a:t>
             </a:r>
             <a:r>
               <a:rPr kumimoji="1" lang="zh-CN" altLang="en-US" dirty="0"/>
@@ -10526,15 +10521,7 @@
             </a:r>
             <a:r>
               <a:rPr kumimoji="1" lang="zh-CN" altLang="en-US" dirty="0" smtClean="0"/>
-              <a:t>筛选</a:t>
-            </a:r>
-            <a:r>
-              <a:rPr kumimoji="1" lang="zh-CN" altLang="en-US" dirty="0" smtClean="0"/>
-              <a:t>请假</a:t>
-            </a:r>
-            <a:r>
-              <a:rPr kumimoji="1" lang="zh-CN" altLang="en-US" dirty="0" smtClean="0"/>
-              <a:t>记录</a:t>
+              <a:t>筛选请假记录</a:t>
             </a:r>
             <a:endParaRPr kumimoji="1" lang="zh-CN" altLang="en-US" dirty="0"/>
           </a:p>
@@ -10557,15 +10544,7 @@
             </a:r>
             <a:r>
               <a:rPr kumimoji="1" lang="zh-CN" altLang="en-US" dirty="0" smtClean="0"/>
-              <a:t>将</a:t>
-            </a:r>
-            <a:r>
-              <a:rPr kumimoji="1" lang="zh-CN" altLang="en-US" dirty="0" smtClean="0"/>
-              <a:t>请假</a:t>
-            </a:r>
-            <a:r>
-              <a:rPr kumimoji="1" lang="zh-CN" altLang="en-US" dirty="0" smtClean="0"/>
-              <a:t>记录</a:t>
+              <a:t>将请假记录</a:t>
             </a:r>
             <a:r>
               <a:rPr kumimoji="1" lang="zh-CN" altLang="en-US" dirty="0"/>
@@ -10746,15 +10725,7 @@
             </a:r>
             <a:r>
               <a:rPr kumimoji="1" lang="zh-CN" altLang="en-US" dirty="0" smtClean="0"/>
-              <a:t>筛选</a:t>
-            </a:r>
-            <a:r>
-              <a:rPr kumimoji="1" lang="zh-CN" altLang="en-US" dirty="0" smtClean="0"/>
-              <a:t>外出</a:t>
-            </a:r>
-            <a:r>
-              <a:rPr kumimoji="1" lang="zh-CN" altLang="en-US" dirty="0" smtClean="0"/>
-              <a:t>记录</a:t>
+              <a:t>筛选外出记录</a:t>
             </a:r>
             <a:endParaRPr kumimoji="1" lang="zh-CN" altLang="en-US" dirty="0"/>
           </a:p>
@@ -11336,6 +11307,13 @@
     <a:masterClrMapping/>
   </p:clrMapOvr>
   <p:transition/>
+  <p:timing>
+    <p:tnLst>
+      <p:par>
+        <p:cTn id="1" dur="indefinite" restart="never" nodeType="tmRoot"/>
+      </p:par>
+    </p:tnLst>
+  </p:timing>
 </p:sld>
 </file>
 
@@ -11408,6 +11386,110 @@
               <a:latin typeface="Calibri" panose="020F0502020204030204" pitchFamily="2" charset="-122"/>
               <a:ea typeface="宋体" panose="02010600030101010101" pitchFamily="2" charset="-122"/>
             </a:endParaRPr>
+          </a:p>
+        </p:txBody>
+      </p:sp>
+      <p:pic>
+        <p:nvPicPr>
+          <p:cNvPr id="2" name="图片 1"/>
+          <p:cNvPicPr>
+            <a:picLocks noChangeAspect="1"/>
+          </p:cNvPicPr>
+          <p:nvPr/>
+        </p:nvPicPr>
+        <p:blipFill>
+          <a:blip r:embed="rId2" cstate="print">
+            <a:extLst>
+              <a:ext uri="{28A0092B-C50C-407E-A947-70E740481C1C}">
+                <a14:useLocalDpi xmlns:a14="http://schemas.microsoft.com/office/drawing/2010/main" val="0"/>
+              </a:ext>
+            </a:extLst>
+          </a:blip>
+          <a:stretch>
+            <a:fillRect/>
+          </a:stretch>
+        </p:blipFill>
+        <p:spPr>
+          <a:xfrm>
+            <a:off x="870664" y="1085850"/>
+            <a:ext cx="1587195" cy="3162300"/>
+          </a:xfrm>
+          <a:prstGeom prst="rect">
+            <a:avLst/>
+          </a:prstGeom>
+        </p:spPr>
+      </p:pic>
+      <p:pic>
+        <p:nvPicPr>
+          <p:cNvPr id="3" name="图片 2"/>
+          <p:cNvPicPr>
+            <a:picLocks noChangeAspect="1"/>
+          </p:cNvPicPr>
+          <p:nvPr/>
+        </p:nvPicPr>
+        <p:blipFill>
+          <a:blip r:embed="rId3" cstate="print">
+            <a:extLst>
+              <a:ext uri="{28A0092B-C50C-407E-A947-70E740481C1C}">
+                <a14:useLocalDpi xmlns:a14="http://schemas.microsoft.com/office/drawing/2010/main" val="0"/>
+              </a:ext>
+            </a:extLst>
+          </a:blip>
+          <a:stretch>
+            <a:fillRect/>
+          </a:stretch>
+        </p:blipFill>
+        <p:spPr>
+          <a:xfrm>
+            <a:off x="2839403" y="1085850"/>
+            <a:ext cx="1599248" cy="3186316"/>
+          </a:xfrm>
+          <a:prstGeom prst="rect">
+            <a:avLst/>
+          </a:prstGeom>
+        </p:spPr>
+      </p:pic>
+      <p:sp>
+        <p:nvSpPr>
+          <p:cNvPr id="5" name="文本框 4"/>
+          <p:cNvSpPr txBox="1"/>
+          <p:nvPr/>
+        </p:nvSpPr>
+        <p:spPr>
+          <a:xfrm>
+            <a:off x="5562600" y="2057400"/>
+            <a:ext cx="4514377" cy="646331"/>
+          </a:xfrm>
+          <a:prstGeom prst="rect">
+            <a:avLst/>
+          </a:prstGeom>
+          <a:noFill/>
+        </p:spPr>
+        <p:txBody>
+          <a:bodyPr wrap="none" rtlCol="0">
+            <a:spAutoFit/>
+          </a:bodyPr>
+          <a:lstStyle/>
+          <a:p>
+            <a:r>
+              <a:rPr kumimoji="1" lang="en-US" altLang="zh-CN" dirty="0" smtClean="0"/>
+              <a:t>1.</a:t>
+            </a:r>
+            <a:r>
+              <a:rPr kumimoji="1" lang="zh-CN" altLang="en-US" dirty="0" smtClean="0"/>
+              <a:t>通知公告列表按照时间倒序显示所有公告</a:t>
+            </a:r>
+          </a:p>
+          <a:p>
+            <a:r>
+              <a:rPr kumimoji="1" lang="en-US" altLang="zh-CN" dirty="0" smtClean="0"/>
+              <a:t>2.</a:t>
+            </a:r>
+            <a:r>
+              <a:rPr kumimoji="1" lang="zh-CN" altLang="en-US" dirty="0" smtClean="0"/>
+              <a:t>公告详情显示通知公告的详细信息</a:t>
+            </a:r>
+            <a:endParaRPr kumimoji="1" lang="zh-CN" altLang="en-US" dirty="0"/>
           </a:p>
         </p:txBody>
       </p:sp>
@@ -11957,18 +12039,7 @@
                 <a:ea typeface="微软雅黑" panose="020B0503020204020204" charset="-122"/>
                 <a:sym typeface="+mn-ea"/>
               </a:rPr>
-              <a:t>通知公告</a:t>
-            </a:r>
-            <a:r>
-              <a:rPr lang="zh-CN" altLang="en-US" sz="2000" b="1" dirty="0" smtClean="0">
-                <a:solidFill>
-                  <a:srgbClr val="F77258"/>
-                </a:solidFill>
-                <a:latin typeface="微软雅黑" panose="020B0503020204020204" charset="-122"/>
-                <a:ea typeface="微软雅黑" panose="020B0503020204020204" charset="-122"/>
-                <a:sym typeface="+mn-ea"/>
-              </a:rPr>
-              <a:t>介绍</a:t>
+              <a:t>通知公告介绍</a:t>
             </a:r>
             <a:endParaRPr lang="zh-CN" altLang="en-US" sz="2000" b="1" dirty="0">
               <a:solidFill>
@@ -12350,8 +12421,45 @@
                 <a:ea typeface="微软雅黑" panose="020B0503020204020204" charset="-122"/>
                 <a:sym typeface="微软雅黑" panose="020B0503020204020204" charset="-122"/>
               </a:rPr>
-              <a:t>投诉报修</a:t>
-            </a:r>
+              <a:t>投诉报修介绍</a:t>
+            </a:r>
+            <a:endParaRPr lang="zh-CN" altLang="en-US" sz="2000" b="1" dirty="0">
+              <a:solidFill>
+                <a:srgbClr val="F77258"/>
+              </a:solidFill>
+              <a:latin typeface="微软雅黑" panose="020B0503020204020204" charset="-122"/>
+              <a:ea typeface="微软雅黑" panose="020B0503020204020204" charset="-122"/>
+              <a:sym typeface="微软雅黑" panose="020B0503020204020204" charset="-122"/>
+            </a:endParaRPr>
+          </a:p>
+        </p:txBody>
+      </p:sp>
+      <p:sp>
+        <p:nvSpPr>
+          <p:cNvPr id="26" name="Rectangle 6"/>
+          <p:cNvSpPr/>
+          <p:nvPr/>
+        </p:nvSpPr>
+        <p:spPr>
+          <a:xfrm>
+            <a:off x="2637155" y="3689668"/>
+            <a:ext cx="2497138" cy="400110"/>
+          </a:xfrm>
+          <a:prstGeom prst="rect">
+            <a:avLst/>
+          </a:prstGeom>
+          <a:noFill/>
+          <a:ln w="9525">
+            <a:noFill/>
+          </a:ln>
+        </p:spPr>
+        <p:txBody>
+          <a:bodyPr anchor="t">
+            <a:spAutoFit/>
+          </a:bodyPr>
+          <a:lstStyle/>
+          <a:p>
+            <a:pPr lvl="0" indent="0" eaLnBrk="0" hangingPunct="0"/>
             <a:r>
               <a:rPr lang="zh-CN" altLang="en-US" sz="2000" b="1" dirty="0" smtClean="0">
                 <a:solidFill>
@@ -12361,66 +12469,7 @@
                 <a:ea typeface="微软雅黑" panose="020B0503020204020204" charset="-122"/>
                 <a:sym typeface="微软雅黑" panose="020B0503020204020204" charset="-122"/>
               </a:rPr>
-              <a:t>介绍</a:t>
-            </a:r>
-            <a:endParaRPr lang="zh-CN" altLang="en-US" sz="2000" b="1" dirty="0">
-              <a:solidFill>
-                <a:srgbClr val="F77258"/>
-              </a:solidFill>
-              <a:latin typeface="微软雅黑" panose="020B0503020204020204" charset="-122"/>
-              <a:ea typeface="微软雅黑" panose="020B0503020204020204" charset="-122"/>
-              <a:sym typeface="微软雅黑" panose="020B0503020204020204" charset="-122"/>
-            </a:endParaRPr>
-          </a:p>
-        </p:txBody>
-      </p:sp>
-      <p:sp>
-        <p:nvSpPr>
-          <p:cNvPr id="26" name="Rectangle 6"/>
-          <p:cNvSpPr/>
-          <p:nvPr/>
-        </p:nvSpPr>
-        <p:spPr>
-          <a:xfrm>
-            <a:off x="2637155" y="3689668"/>
-            <a:ext cx="2497138" cy="400110"/>
-          </a:xfrm>
-          <a:prstGeom prst="rect">
-            <a:avLst/>
-          </a:prstGeom>
-          <a:noFill/>
-          <a:ln w="9525">
-            <a:noFill/>
-          </a:ln>
-        </p:spPr>
-        <p:txBody>
-          <a:bodyPr anchor="t">
-            <a:spAutoFit/>
-          </a:bodyPr>
-          <a:lstStyle/>
-          <a:p>
-            <a:pPr lvl="0" indent="0" eaLnBrk="0" hangingPunct="0"/>
-            <a:r>
-              <a:rPr lang="zh-CN" altLang="en-US" sz="2000" b="1" dirty="0" smtClean="0">
-                <a:solidFill>
-                  <a:srgbClr val="F77258"/>
-                </a:solidFill>
-                <a:latin typeface="微软雅黑" panose="020B0503020204020204" charset="-122"/>
-                <a:ea typeface="微软雅黑" panose="020B0503020204020204" charset="-122"/>
-                <a:sym typeface="微软雅黑" panose="020B0503020204020204" charset="-122"/>
-              </a:rPr>
-              <a:t>移动签到</a:t>
-            </a:r>
-            <a:r>
-              <a:rPr lang="zh-CN" altLang="en-US" sz="2000" b="1" dirty="0" smtClean="0">
-                <a:solidFill>
-                  <a:srgbClr val="F77258"/>
-                </a:solidFill>
-                <a:latin typeface="微软雅黑" panose="020B0503020204020204" charset="-122"/>
-                <a:ea typeface="微软雅黑" panose="020B0503020204020204" charset="-122"/>
-                <a:sym typeface="微软雅黑" panose="020B0503020204020204" charset="-122"/>
-              </a:rPr>
-              <a:t>介绍</a:t>
+              <a:t>移动签到介绍</a:t>
             </a:r>
             <a:endParaRPr lang="zh-CN" altLang="en-US" sz="2000" b="1" dirty="0">
               <a:solidFill>
@@ -14406,10 +14455,72 @@
             </a:r>
             <a:r>
               <a:rPr kumimoji="1" lang="zh-CN" altLang="en-US" dirty="0" smtClean="0"/>
-              <a:t>：</a:t>
+              <a:t>：投诉人员</a:t>
+            </a:r>
+            <a:r>
+              <a:rPr kumimoji="1" lang="zh-CN" altLang="en-US" dirty="0"/>
+              <a:t>的资料</a:t>
+            </a:r>
+          </a:p>
+          <a:p>
+            <a:r>
+              <a:rPr kumimoji="1" lang="en-US" altLang="zh-CN" dirty="0"/>
+              <a:t>2.</a:t>
+            </a:r>
+            <a:r>
+              <a:rPr kumimoji="1" lang="zh-CN" altLang="en-US" dirty="0"/>
+              <a:t>修改状态：</a:t>
             </a:r>
             <a:r>
               <a:rPr kumimoji="1" lang="zh-CN" altLang="en-US" dirty="0" smtClean="0"/>
+              <a:t>对此</a:t>
+            </a:r>
+            <a:r>
+              <a:rPr kumimoji="1" lang="zh-CN" altLang="en-US" dirty="0"/>
+              <a:t>投诉</a:t>
+            </a:r>
+            <a:r>
+              <a:rPr kumimoji="1" lang="zh-CN" altLang="en-US" dirty="0" smtClean="0"/>
+              <a:t>事件</a:t>
+            </a:r>
+            <a:r>
+              <a:rPr kumimoji="1" lang="zh-CN" altLang="en-US" dirty="0"/>
+              <a:t>做相应的状态修改，将会显示在慧生活</a:t>
+            </a:r>
+            <a:r>
+              <a:rPr kumimoji="1" lang="en-US" altLang="zh-CN" dirty="0"/>
+              <a:t>app</a:t>
+            </a:r>
+            <a:r>
+              <a:rPr kumimoji="1" lang="zh-CN" altLang="en-US" dirty="0"/>
+              <a:t>中</a:t>
+            </a:r>
+          </a:p>
+          <a:p>
+            <a:r>
+              <a:rPr kumimoji="1" lang="en-US" altLang="zh-CN" dirty="0"/>
+              <a:t>3.</a:t>
+            </a:r>
+            <a:r>
+              <a:rPr kumimoji="1" lang="zh-CN" altLang="en-US" dirty="0"/>
+              <a:t>添加备注：修改状态时添加修改备注</a:t>
+            </a:r>
+          </a:p>
+          <a:p>
+            <a:r>
+              <a:rPr kumimoji="1" lang="en-US" altLang="zh-CN" dirty="0"/>
+              <a:t>4.</a:t>
+            </a:r>
+            <a:r>
+              <a:rPr kumimoji="1" lang="zh-CN" altLang="en-US" dirty="0"/>
+              <a:t>查看配图：</a:t>
+            </a:r>
+            <a:r>
+              <a:rPr kumimoji="1" lang="zh-CN" altLang="en-US" dirty="0" smtClean="0"/>
+              <a:t>如果</a:t>
+            </a:r>
+            <a:r>
+              <a:rPr kumimoji="1" lang="zh-CN" altLang="en-US" dirty="0"/>
               <a:t>投诉</a:t>
             </a:r>
             <a:r>
@@ -14418,85 +14529,11 @@
             </a:r>
             <a:r>
               <a:rPr kumimoji="1" lang="zh-CN" altLang="en-US" dirty="0"/>
-              <a:t>的资料</a:t>
-            </a:r>
-          </a:p>
-          <a:p>
-            <a:r>
-              <a:rPr kumimoji="1" lang="en-US" altLang="zh-CN" dirty="0"/>
-              <a:t>2.</a:t>
-            </a:r>
-            <a:r>
-              <a:rPr kumimoji="1" lang="zh-CN" altLang="en-US" dirty="0"/>
-              <a:t>修改状态：</a:t>
+              <a:t>上传了图片</a:t>
             </a:r>
             <a:r>
               <a:rPr kumimoji="1" lang="zh-CN" altLang="en-US" dirty="0" smtClean="0"/>
-              <a:t>对此</a:t>
-            </a:r>
-            <a:r>
-              <a:rPr kumimoji="1" lang="zh-CN" altLang="en-US" dirty="0"/>
-              <a:t>投诉</a:t>
-            </a:r>
-            <a:r>
-              <a:rPr kumimoji="1" lang="zh-CN" altLang="en-US" dirty="0" smtClean="0"/>
-              <a:t>事件</a:t>
-            </a:r>
-            <a:r>
-              <a:rPr kumimoji="1" lang="zh-CN" altLang="en-US" dirty="0"/>
-              <a:t>做相应的状态修改，将会显示在慧生活</a:t>
-            </a:r>
-            <a:r>
-              <a:rPr kumimoji="1" lang="en-US" altLang="zh-CN" dirty="0"/>
-              <a:t>app</a:t>
-            </a:r>
-            <a:r>
-              <a:rPr kumimoji="1" lang="zh-CN" altLang="en-US" dirty="0"/>
-              <a:t>中</a:t>
-            </a:r>
-          </a:p>
-          <a:p>
-            <a:r>
-              <a:rPr kumimoji="1" lang="en-US" altLang="zh-CN" dirty="0"/>
-              <a:t>3.</a:t>
-            </a:r>
-            <a:r>
-              <a:rPr kumimoji="1" lang="zh-CN" altLang="en-US" dirty="0"/>
-              <a:t>添加备注：修改状态时添加修改备注</a:t>
-            </a:r>
-          </a:p>
-          <a:p>
-            <a:r>
-              <a:rPr kumimoji="1" lang="en-US" altLang="zh-CN" dirty="0"/>
-              <a:t>4.</a:t>
-            </a:r>
-            <a:r>
-              <a:rPr kumimoji="1" lang="zh-CN" altLang="en-US" dirty="0"/>
-              <a:t>查看配图：</a:t>
-            </a:r>
-            <a:r>
-              <a:rPr kumimoji="1" lang="zh-CN" altLang="en-US" dirty="0" smtClean="0"/>
-              <a:t>如果</a:t>
-            </a:r>
-            <a:r>
-              <a:rPr kumimoji="1" lang="zh-CN" altLang="en-US" dirty="0"/>
-              <a:t>投诉</a:t>
-            </a:r>
-            <a:r>
-              <a:rPr kumimoji="1" lang="zh-CN" altLang="en-US" dirty="0" smtClean="0"/>
-              <a:t>人员</a:t>
-            </a:r>
-            <a:r>
-              <a:rPr kumimoji="1" lang="zh-CN" altLang="en-US" dirty="0"/>
-              <a:t>上传了图片</a:t>
-            </a:r>
-            <a:r>
-              <a:rPr kumimoji="1" lang="zh-CN" altLang="en-US" dirty="0" smtClean="0"/>
-              <a:t>可</a:t>
-            </a:r>
-            <a:r>
-              <a:rPr kumimoji="1" lang="zh-CN" altLang="en-US" dirty="0" smtClean="0"/>
-              <a:t>直观查看投诉情况</a:t>
+              <a:t>可直观查看投诉情况</a:t>
             </a:r>
             <a:endParaRPr kumimoji="1" lang="zh-CN" altLang="en-US" dirty="0"/>
           </a:p>
